--- a/Pragra_delivery.pptx
+++ b/Pragra_delivery.pptx
@@ -4,8 +4,12 @@
   <p:sldMasterIdLst>
     <p:sldMasterId id="2147483660" r:id="rId1"/>
   </p:sldMasterIdLst>
+  <p:notesMasterIdLst>
+    <p:notesMasterId r:id="rId4"/>
+  </p:notesMasterIdLst>
   <p:sldIdLst>
-    <p:sldId id="525" r:id="rId2"/>
+    <p:sldId id="526" r:id="rId2"/>
+    <p:sldId id="527" r:id="rId3"/>
   </p:sldIdLst>
   <p:sldSz cx="12192000" cy="6858000"/>
   <p:notesSz cx="6858000" cy="9144000"/>
@@ -104,7 +108,471 @@
       </a:defRPr>
     </a:lvl9pPr>
   </p:defaultTextStyle>
+  <p:extLst>
+    <p:ext uri="{EFAFB233-063F-42B5-8137-9DF3F51BA10A}">
+      <p15:sldGuideLst xmlns:p15="http://schemas.microsoft.com/office/powerpoint/2012/main"/>
+    </p:ext>
+  </p:extLst>
 </p:presentation>
+</file>
+
+<file path=ppt/commentAuthors.xml><?xml version="1.0" encoding="utf-8"?>
+<p:cmAuthorLst xmlns:a="http://schemas.openxmlformats.org/drawingml/2006/main" xmlns:r="http://schemas.openxmlformats.org/officeDocument/2006/relationships" xmlns:p="http://schemas.openxmlformats.org/presentationml/2006/main">
+  <p:cmAuthor id="1" name="nithyamuthumanickam@gmail.com" initials="n" lastIdx="2" clrIdx="0">
+    <p:extLst>
+      <p:ext uri="{19B8F6BF-5375-455C-9EA6-DF929625EA0E}">
+        <p15:presenceInfo xmlns:p15="http://schemas.microsoft.com/office/powerpoint/2012/main" userId="da2bf26b8d350f32" providerId="Windows Live"/>
+      </p:ext>
+    </p:extLst>
+  </p:cmAuthor>
+</p:cmAuthorLst>
+</file>
+
+<file path=ppt/comments/comment1.xml><?xml version="1.0" encoding="utf-8"?>
+<p:cmLst xmlns:a="http://schemas.openxmlformats.org/drawingml/2006/main" xmlns:r="http://schemas.openxmlformats.org/officeDocument/2006/relationships" xmlns:p="http://schemas.openxmlformats.org/presentationml/2006/main">
+  <p:cm authorId="1" dt="2020-11-06T19:59:51.838" idx="2">
+    <p:pos x="10" y="10"/>
+    <p:text/>
+    <p:extLst>
+      <p:ext uri="{C676402C-5697-4E1C-873F-D02D1690AC5C}">
+        <p15:threadingInfo xmlns:p15="http://schemas.microsoft.com/office/powerpoint/2012/main" timeZoneBias="-480"/>
+      </p:ext>
+    </p:extLst>
+  </p:cm>
+</p:cmLst>
+</file>
+
+<file path=ppt/notesMasters/notesMaster1.xml><?xml version="1.0" encoding="utf-8"?>
+<p:notesMaster xmlns:a="http://schemas.openxmlformats.org/drawingml/2006/main" xmlns:r="http://schemas.openxmlformats.org/officeDocument/2006/relationships" xmlns:p="http://schemas.openxmlformats.org/presentationml/2006/main">
+  <p:cSld>
+    <p:bg>
+      <p:bgRef idx="1001">
+        <a:schemeClr val="bg1"/>
+      </p:bgRef>
+    </p:bg>
+    <p:spTree>
+      <p:nvGrpSpPr>
+        <p:cNvPr id="1" name=""/>
+        <p:cNvGrpSpPr/>
+        <p:nvPr/>
+      </p:nvGrpSpPr>
+      <p:grpSpPr>
+        <a:xfrm>
+          <a:off x="0" y="0"/>
+          <a:ext cx="0" cy="0"/>
+          <a:chOff x="0" y="0"/>
+          <a:chExt cx="0" cy="0"/>
+        </a:xfrm>
+      </p:grpSpPr>
+      <p:sp>
+        <p:nvSpPr>
+          <p:cNvPr id="2" name="Header Placeholder 1"/>
+          <p:cNvSpPr>
+            <a:spLocks noGrp="1"/>
+          </p:cNvSpPr>
+          <p:nvPr>
+            <p:ph type="hdr" sz="quarter"/>
+          </p:nvPr>
+        </p:nvSpPr>
+        <p:spPr>
+          <a:xfrm>
+            <a:off x="0" y="0"/>
+            <a:ext cx="2971800" cy="458788"/>
+          </a:xfrm>
+          <a:prstGeom prst="rect">
+            <a:avLst/>
+          </a:prstGeom>
+        </p:spPr>
+        <p:txBody>
+          <a:bodyPr vert="horz" lIns="91440" tIns="45720" rIns="91440" bIns="45720" rtlCol="0"/>
+          <a:lstStyle>
+            <a:lvl1pPr algn="l">
+              <a:defRPr sz="1200"/>
+            </a:lvl1pPr>
+          </a:lstStyle>
+          <a:p>
+            <a:endParaRPr lang="en-US"/>
+          </a:p>
+        </p:txBody>
+      </p:sp>
+      <p:sp>
+        <p:nvSpPr>
+          <p:cNvPr id="3" name="Date Placeholder 2"/>
+          <p:cNvSpPr>
+            <a:spLocks noGrp="1"/>
+          </p:cNvSpPr>
+          <p:nvPr>
+            <p:ph type="dt" idx="1"/>
+          </p:nvPr>
+        </p:nvSpPr>
+        <p:spPr>
+          <a:xfrm>
+            <a:off x="3884613" y="0"/>
+            <a:ext cx="2971800" cy="458788"/>
+          </a:xfrm>
+          <a:prstGeom prst="rect">
+            <a:avLst/>
+          </a:prstGeom>
+        </p:spPr>
+        <p:txBody>
+          <a:bodyPr vert="horz" lIns="91440" tIns="45720" rIns="91440" bIns="45720" rtlCol="0"/>
+          <a:lstStyle>
+            <a:lvl1pPr algn="r">
+              <a:defRPr sz="1200"/>
+            </a:lvl1pPr>
+          </a:lstStyle>
+          <a:p>
+            <a:fld id="{40E3F40A-43DE-4ECC-BA4B-FC08DD718DFB}" type="datetimeFigureOut">
+              <a:rPr lang="en-US" smtClean="0"/>
+              <a:t>11-Nov-20</a:t>
+            </a:fld>
+            <a:endParaRPr lang="en-US"/>
+          </a:p>
+        </p:txBody>
+      </p:sp>
+      <p:sp>
+        <p:nvSpPr>
+          <p:cNvPr id="4" name="Slide Image Placeholder 3"/>
+          <p:cNvSpPr>
+            <a:spLocks noGrp="1" noRot="1" noChangeAspect="1"/>
+          </p:cNvSpPr>
+          <p:nvPr>
+            <p:ph type="sldImg" idx="2"/>
+          </p:nvPr>
+        </p:nvSpPr>
+        <p:spPr>
+          <a:xfrm>
+            <a:off x="685800" y="1143000"/>
+            <a:ext cx="5486400" cy="3086100"/>
+          </a:xfrm>
+          <a:prstGeom prst="rect">
+            <a:avLst/>
+          </a:prstGeom>
+          <a:noFill/>
+          <a:ln w="12700">
+            <a:solidFill>
+              <a:prstClr val="black"/>
+            </a:solidFill>
+          </a:ln>
+        </p:spPr>
+        <p:txBody>
+          <a:bodyPr vert="horz" lIns="91440" tIns="45720" rIns="91440" bIns="45720" rtlCol="0" anchor="ctr"/>
+          <a:lstStyle/>
+          <a:p>
+            <a:endParaRPr lang="en-US"/>
+          </a:p>
+        </p:txBody>
+      </p:sp>
+      <p:sp>
+        <p:nvSpPr>
+          <p:cNvPr id="5" name="Notes Placeholder 4"/>
+          <p:cNvSpPr>
+            <a:spLocks noGrp="1"/>
+          </p:cNvSpPr>
+          <p:nvPr>
+            <p:ph type="body" sz="quarter" idx="3"/>
+          </p:nvPr>
+        </p:nvSpPr>
+        <p:spPr>
+          <a:xfrm>
+            <a:off x="685800" y="4400550"/>
+            <a:ext cx="5486400" cy="3600450"/>
+          </a:xfrm>
+          <a:prstGeom prst="rect">
+            <a:avLst/>
+          </a:prstGeom>
+        </p:spPr>
+        <p:txBody>
+          <a:bodyPr vert="horz" lIns="91440" tIns="45720" rIns="91440" bIns="45720" rtlCol="0"/>
+          <a:lstStyle/>
+          <a:p>
+            <a:pPr lvl="0"/>
+            <a:r>
+              <a:rPr lang="en-US"/>
+              <a:t>Click to edit Master text styles</a:t>
+            </a:r>
+          </a:p>
+          <a:p>
+            <a:pPr lvl="1"/>
+            <a:r>
+              <a:rPr lang="en-US"/>
+              <a:t>Second level</a:t>
+            </a:r>
+          </a:p>
+          <a:p>
+            <a:pPr lvl="2"/>
+            <a:r>
+              <a:rPr lang="en-US"/>
+              <a:t>Third level</a:t>
+            </a:r>
+          </a:p>
+          <a:p>
+            <a:pPr lvl="3"/>
+            <a:r>
+              <a:rPr lang="en-US"/>
+              <a:t>Fourth level</a:t>
+            </a:r>
+          </a:p>
+          <a:p>
+            <a:pPr lvl="4"/>
+            <a:r>
+              <a:rPr lang="en-US"/>
+              <a:t>Fifth level</a:t>
+            </a:r>
+          </a:p>
+        </p:txBody>
+      </p:sp>
+      <p:sp>
+        <p:nvSpPr>
+          <p:cNvPr id="6" name="Footer Placeholder 5"/>
+          <p:cNvSpPr>
+            <a:spLocks noGrp="1"/>
+          </p:cNvSpPr>
+          <p:nvPr>
+            <p:ph type="ftr" sz="quarter" idx="4"/>
+          </p:nvPr>
+        </p:nvSpPr>
+        <p:spPr>
+          <a:xfrm>
+            <a:off x="0" y="8685213"/>
+            <a:ext cx="2971800" cy="458787"/>
+          </a:xfrm>
+          <a:prstGeom prst="rect">
+            <a:avLst/>
+          </a:prstGeom>
+        </p:spPr>
+        <p:txBody>
+          <a:bodyPr vert="horz" lIns="91440" tIns="45720" rIns="91440" bIns="45720" rtlCol="0" anchor="b"/>
+          <a:lstStyle>
+            <a:lvl1pPr algn="l">
+              <a:defRPr sz="1200"/>
+            </a:lvl1pPr>
+          </a:lstStyle>
+          <a:p>
+            <a:endParaRPr lang="en-US"/>
+          </a:p>
+        </p:txBody>
+      </p:sp>
+      <p:sp>
+        <p:nvSpPr>
+          <p:cNvPr id="7" name="Slide Number Placeholder 6"/>
+          <p:cNvSpPr>
+            <a:spLocks noGrp="1"/>
+          </p:cNvSpPr>
+          <p:nvPr>
+            <p:ph type="sldNum" sz="quarter" idx="5"/>
+          </p:nvPr>
+        </p:nvSpPr>
+        <p:spPr>
+          <a:xfrm>
+            <a:off x="3884613" y="8685213"/>
+            <a:ext cx="2971800" cy="458787"/>
+          </a:xfrm>
+          <a:prstGeom prst="rect">
+            <a:avLst/>
+          </a:prstGeom>
+        </p:spPr>
+        <p:txBody>
+          <a:bodyPr vert="horz" lIns="91440" tIns="45720" rIns="91440" bIns="45720" rtlCol="0" anchor="b"/>
+          <a:lstStyle>
+            <a:lvl1pPr algn="r">
+              <a:defRPr sz="1200"/>
+            </a:lvl1pPr>
+          </a:lstStyle>
+          <a:p>
+            <a:fld id="{99FA7346-3B84-4E8B-968B-903E76042300}" type="slidenum">
+              <a:rPr lang="en-US" smtClean="0"/>
+              <a:t>‹#›</a:t>
+            </a:fld>
+            <a:endParaRPr lang="en-US"/>
+          </a:p>
+        </p:txBody>
+      </p:sp>
+    </p:spTree>
+    <p:extLst>
+      <p:ext uri="{BB962C8B-B14F-4D97-AF65-F5344CB8AC3E}">
+        <p14:creationId xmlns:p14="http://schemas.microsoft.com/office/powerpoint/2010/main" val="155911647"/>
+      </p:ext>
+    </p:extLst>
+  </p:cSld>
+  <p:clrMap bg1="lt1" tx1="dk1" bg2="lt2" tx2="dk2" accent1="accent1" accent2="accent2" accent3="accent3" accent4="accent4" accent5="accent5" accent6="accent6" hlink="hlink" folHlink="folHlink"/>
+  <p:notesStyle>
+    <a:lvl1pPr marL="0" algn="l" defTabSz="914400" rtl="0" eaLnBrk="1" latinLnBrk="0" hangingPunct="1">
+      <a:defRPr sz="1200" kern="1200">
+        <a:solidFill>
+          <a:schemeClr val="tx1"/>
+        </a:solidFill>
+        <a:latin typeface="+mn-lt"/>
+        <a:ea typeface="+mn-ea"/>
+        <a:cs typeface="+mn-cs"/>
+      </a:defRPr>
+    </a:lvl1pPr>
+    <a:lvl2pPr marL="457200" algn="l" defTabSz="914400" rtl="0" eaLnBrk="1" latinLnBrk="0" hangingPunct="1">
+      <a:defRPr sz="1200" kern="1200">
+        <a:solidFill>
+          <a:schemeClr val="tx1"/>
+        </a:solidFill>
+        <a:latin typeface="+mn-lt"/>
+        <a:ea typeface="+mn-ea"/>
+        <a:cs typeface="+mn-cs"/>
+      </a:defRPr>
+    </a:lvl2pPr>
+    <a:lvl3pPr marL="914400" algn="l" defTabSz="914400" rtl="0" eaLnBrk="1" latinLnBrk="0" hangingPunct="1">
+      <a:defRPr sz="1200" kern="1200">
+        <a:solidFill>
+          <a:schemeClr val="tx1"/>
+        </a:solidFill>
+        <a:latin typeface="+mn-lt"/>
+        <a:ea typeface="+mn-ea"/>
+        <a:cs typeface="+mn-cs"/>
+      </a:defRPr>
+    </a:lvl3pPr>
+    <a:lvl4pPr marL="1371600" algn="l" defTabSz="914400" rtl="0" eaLnBrk="1" latinLnBrk="0" hangingPunct="1">
+      <a:defRPr sz="1200" kern="1200">
+        <a:solidFill>
+          <a:schemeClr val="tx1"/>
+        </a:solidFill>
+        <a:latin typeface="+mn-lt"/>
+        <a:ea typeface="+mn-ea"/>
+        <a:cs typeface="+mn-cs"/>
+      </a:defRPr>
+    </a:lvl4pPr>
+    <a:lvl5pPr marL="1828800" algn="l" defTabSz="914400" rtl="0" eaLnBrk="1" latinLnBrk="0" hangingPunct="1">
+      <a:defRPr sz="1200" kern="1200">
+        <a:solidFill>
+          <a:schemeClr val="tx1"/>
+        </a:solidFill>
+        <a:latin typeface="+mn-lt"/>
+        <a:ea typeface="+mn-ea"/>
+        <a:cs typeface="+mn-cs"/>
+      </a:defRPr>
+    </a:lvl5pPr>
+    <a:lvl6pPr marL="2286000" algn="l" defTabSz="914400" rtl="0" eaLnBrk="1" latinLnBrk="0" hangingPunct="1">
+      <a:defRPr sz="1200" kern="1200">
+        <a:solidFill>
+          <a:schemeClr val="tx1"/>
+        </a:solidFill>
+        <a:latin typeface="+mn-lt"/>
+        <a:ea typeface="+mn-ea"/>
+        <a:cs typeface="+mn-cs"/>
+      </a:defRPr>
+    </a:lvl6pPr>
+    <a:lvl7pPr marL="2743200" algn="l" defTabSz="914400" rtl="0" eaLnBrk="1" latinLnBrk="0" hangingPunct="1">
+      <a:defRPr sz="1200" kern="1200">
+        <a:solidFill>
+          <a:schemeClr val="tx1"/>
+        </a:solidFill>
+        <a:latin typeface="+mn-lt"/>
+        <a:ea typeface="+mn-ea"/>
+        <a:cs typeface="+mn-cs"/>
+      </a:defRPr>
+    </a:lvl7pPr>
+    <a:lvl8pPr marL="3200400" algn="l" defTabSz="914400" rtl="0" eaLnBrk="1" latinLnBrk="0" hangingPunct="1">
+      <a:defRPr sz="1200" kern="1200">
+        <a:solidFill>
+          <a:schemeClr val="tx1"/>
+        </a:solidFill>
+        <a:latin typeface="+mn-lt"/>
+        <a:ea typeface="+mn-ea"/>
+        <a:cs typeface="+mn-cs"/>
+      </a:defRPr>
+    </a:lvl8pPr>
+    <a:lvl9pPr marL="3657600" algn="l" defTabSz="914400" rtl="0" eaLnBrk="1" latinLnBrk="0" hangingPunct="1">
+      <a:defRPr sz="1200" kern="1200">
+        <a:solidFill>
+          <a:schemeClr val="tx1"/>
+        </a:solidFill>
+        <a:latin typeface="+mn-lt"/>
+        <a:ea typeface="+mn-ea"/>
+        <a:cs typeface="+mn-cs"/>
+      </a:defRPr>
+    </a:lvl9pPr>
+  </p:notesStyle>
+</p:notesMaster>
+</file>
+
+<file path=ppt/notesSlides/notesSlide1.xml><?xml version="1.0" encoding="utf-8"?>
+<p:notes xmlns:a="http://schemas.openxmlformats.org/drawingml/2006/main" xmlns:r="http://schemas.openxmlformats.org/officeDocument/2006/relationships" xmlns:p="http://schemas.openxmlformats.org/presentationml/2006/main">
+  <p:cSld>
+    <p:spTree>
+      <p:nvGrpSpPr>
+        <p:cNvPr id="1" name=""/>
+        <p:cNvGrpSpPr/>
+        <p:nvPr/>
+      </p:nvGrpSpPr>
+      <p:grpSpPr>
+        <a:xfrm>
+          <a:off x="0" y="0"/>
+          <a:ext cx="0" cy="0"/>
+          <a:chOff x="0" y="0"/>
+          <a:chExt cx="0" cy="0"/>
+        </a:xfrm>
+      </p:grpSpPr>
+      <p:sp>
+        <p:nvSpPr>
+          <p:cNvPr id="2" name="Slide Image Placeholder 1"/>
+          <p:cNvSpPr>
+            <a:spLocks noGrp="1" noRot="1" noChangeAspect="1"/>
+          </p:cNvSpPr>
+          <p:nvPr>
+            <p:ph type="sldImg"/>
+          </p:nvPr>
+        </p:nvSpPr>
+        <p:spPr/>
+      </p:sp>
+      <p:sp>
+        <p:nvSpPr>
+          <p:cNvPr id="3" name="Notes Placeholder 2"/>
+          <p:cNvSpPr>
+            <a:spLocks noGrp="1"/>
+          </p:cNvSpPr>
+          <p:nvPr>
+            <p:ph type="body" idx="1"/>
+          </p:nvPr>
+        </p:nvSpPr>
+        <p:spPr/>
+        <p:txBody>
+          <a:bodyPr/>
+          <a:lstStyle/>
+          <a:p>
+            <a:endParaRPr lang="en-US" dirty="0"/>
+          </a:p>
+        </p:txBody>
+      </p:sp>
+      <p:sp>
+        <p:nvSpPr>
+          <p:cNvPr id="4" name="Slide Number Placeholder 3"/>
+          <p:cNvSpPr>
+            <a:spLocks noGrp="1"/>
+          </p:cNvSpPr>
+          <p:nvPr>
+            <p:ph type="sldNum" sz="quarter" idx="5"/>
+          </p:nvPr>
+        </p:nvSpPr>
+        <p:spPr/>
+        <p:txBody>
+          <a:bodyPr/>
+          <a:lstStyle/>
+          <a:p>
+            <a:fld id="{1D3EA06C-A7DE-4884-8D67-1E280EBFF57A}" type="slidenum">
+              <a:rPr lang="en-US" smtClean="0"/>
+              <a:t>1</a:t>
+            </a:fld>
+            <a:endParaRPr lang="en-US"/>
+          </a:p>
+        </p:txBody>
+      </p:sp>
+    </p:spTree>
+    <p:extLst>
+      <p:ext uri="{BB962C8B-B14F-4D97-AF65-F5344CB8AC3E}">
+        <p14:creationId xmlns:p14="http://schemas.microsoft.com/office/powerpoint/2010/main" val="3963185638"/>
+      </p:ext>
+    </p:extLst>
+  </p:cSld>
+  <p:clrMapOvr>
+    <a:masterClrMapping/>
+  </p:clrMapOvr>
+</p:notes>
 </file>
 
 <file path=ppt/slideLayouts/slideLayout1.xml><?xml version="1.0" encoding="utf-8"?>
@@ -11736,12 +12204,8 @@
           <a:lstStyle/>
           <a:p>
             <a:r>
-              <a:rPr lang="en-US" dirty="0" err="1"/>
-              <a:t>Pragra</a:t>
-            </a:r>
-            <a:r>
               <a:rPr lang="en-US" dirty="0"/>
-              <a:t> delivery timeline</a:t>
+              <a:t>Pragra delivery timeline</a:t>
             </a:r>
           </a:p>
         </p:txBody>
@@ -11769,7 +12233,7 @@
             </a:avLst>
           </a:prstGeom>
           <a:solidFill>
-            <a:srgbClr val="004E41"/>
+            <a:srgbClr val="002060"/>
           </a:solidFill>
           <a:ln>
             <a:noFill/>
@@ -11800,16 +12264,38 @@
           </a:bodyPr>
           <a:lstStyle/>
           <a:p>
-            <a:pPr algn="ctr" defTabSz="1219170">
+            <a:pPr marL="0" marR="0" lvl="0" indent="0" algn="ctr" defTabSz="1219170" rtl="0" eaLnBrk="1" fontAlgn="auto" latinLnBrk="0" hangingPunct="1">
+              <a:lnSpc>
+                <a:spcPct val="100000"/>
+              </a:lnSpc>
+              <a:spcBef>
+                <a:spcPts val="0"/>
+              </a:spcBef>
+              <a:spcAft>
+                <a:spcPts val="0"/>
+              </a:spcAft>
               <a:buClr>
                 <a:srgbClr val="000000"/>
               </a:buClr>
+              <a:buSzTx/>
+              <a:buFontTx/>
+              <a:buNone/>
+              <a:tabLst/>
+              <a:defRPr/>
             </a:pPr>
-            <a:endParaRPr lang="en-US" sz="1867" kern="0" dirty="0">
+            <a:endParaRPr kumimoji="0" lang="en-US" sz="1867" b="0" i="0" u="none" strike="noStrike" kern="0" cap="none" spc="0" normalizeH="0" baseline="0" noProof="0" dirty="0">
+              <a:ln>
+                <a:noFill/>
+              </a:ln>
               <a:solidFill>
                 <a:prstClr val="black"/>
               </a:solidFill>
+              <a:effectLst/>
+              <a:uLnTx/>
+              <a:uFillTx/>
               <a:latin typeface="Calibri" panose="020F0502020204030204"/>
+              <a:ea typeface="+mn-ea"/>
+              <a:cs typeface="+mn-cs"/>
               <a:sym typeface="Arial"/>
             </a:endParaRPr>
           </a:p>
@@ -11838,7 +12324,7 @@
             </a:avLst>
           </a:prstGeom>
           <a:solidFill>
-            <a:srgbClr val="00796B"/>
+            <a:srgbClr val="0070C0"/>
           </a:solidFill>
           <a:ln>
             <a:noFill/>
@@ -11869,16 +12355,38 @@
           </a:bodyPr>
           <a:lstStyle/>
           <a:p>
-            <a:pPr algn="ctr" defTabSz="1219170">
+            <a:pPr marL="0" marR="0" lvl="0" indent="0" algn="ctr" defTabSz="1219170" rtl="0" eaLnBrk="1" fontAlgn="auto" latinLnBrk="0" hangingPunct="1">
+              <a:lnSpc>
+                <a:spcPct val="100000"/>
+              </a:lnSpc>
+              <a:spcBef>
+                <a:spcPts val="0"/>
+              </a:spcBef>
+              <a:spcAft>
+                <a:spcPts val="0"/>
+              </a:spcAft>
               <a:buClr>
                 <a:srgbClr val="000000"/>
               </a:buClr>
+              <a:buSzTx/>
+              <a:buFontTx/>
+              <a:buNone/>
+              <a:tabLst/>
+              <a:defRPr/>
             </a:pPr>
-            <a:endParaRPr lang="en-US" sz="1867" kern="0">
+            <a:endParaRPr kumimoji="0" lang="en-US" sz="1867" b="0" i="0" u="none" strike="noStrike" kern="0" cap="none" spc="0" normalizeH="0" baseline="0" noProof="0">
+              <a:ln>
+                <a:noFill/>
+              </a:ln>
               <a:solidFill>
                 <a:prstClr val="black"/>
               </a:solidFill>
+              <a:effectLst/>
+              <a:uLnTx/>
+              <a:uFillTx/>
               <a:latin typeface="Calibri" panose="020F0502020204030204"/>
+              <a:ea typeface="+mn-ea"/>
+              <a:cs typeface="+mn-cs"/>
               <a:sym typeface="Arial"/>
             </a:endParaRPr>
           </a:p>
@@ -11907,7 +12415,7 @@
             </a:avLst>
           </a:prstGeom>
           <a:solidFill>
-            <a:srgbClr val="4EB4AB"/>
+            <a:srgbClr val="00B0F0"/>
           </a:solidFill>
           <a:ln>
             <a:noFill/>
@@ -11938,16 +12446,38 @@
           </a:bodyPr>
           <a:lstStyle/>
           <a:p>
-            <a:pPr algn="ctr" defTabSz="1219170">
+            <a:pPr marL="0" marR="0" lvl="0" indent="0" algn="ctr" defTabSz="1219170" rtl="0" eaLnBrk="1" fontAlgn="auto" latinLnBrk="0" hangingPunct="1">
+              <a:lnSpc>
+                <a:spcPct val="100000"/>
+              </a:lnSpc>
+              <a:spcBef>
+                <a:spcPts val="0"/>
+              </a:spcBef>
+              <a:spcAft>
+                <a:spcPts val="0"/>
+              </a:spcAft>
               <a:buClr>
                 <a:srgbClr val="000000"/>
               </a:buClr>
+              <a:buSzTx/>
+              <a:buFontTx/>
+              <a:buNone/>
+              <a:tabLst/>
+              <a:defRPr/>
             </a:pPr>
-            <a:endParaRPr lang="en-US" sz="1867" kern="0">
+            <a:endParaRPr kumimoji="0" lang="en-US" sz="1867" b="0" i="0" u="none" strike="noStrike" kern="0" cap="none" spc="0" normalizeH="0" baseline="0" noProof="0">
+              <a:ln>
+                <a:noFill/>
+              </a:ln>
               <a:solidFill>
                 <a:prstClr val="black"/>
               </a:solidFill>
+              <a:effectLst/>
+              <a:uLnTx/>
+              <a:uFillTx/>
               <a:latin typeface="Calibri" panose="020F0502020204030204"/>
+              <a:ea typeface="+mn-ea"/>
+              <a:cs typeface="+mn-cs"/>
               <a:sym typeface="Arial"/>
             </a:endParaRPr>
           </a:p>
@@ -11976,7 +12506,7 @@
             </a:avLst>
           </a:prstGeom>
           <a:solidFill>
-            <a:srgbClr val="9FE3DC"/>
+            <a:srgbClr val="5BD4FF"/>
           </a:solidFill>
           <a:ln>
             <a:noFill/>
@@ -12007,16 +12537,38 @@
           </a:bodyPr>
           <a:lstStyle/>
           <a:p>
-            <a:pPr algn="ctr" defTabSz="1219170">
+            <a:pPr marL="0" marR="0" lvl="0" indent="0" algn="ctr" defTabSz="1219170" rtl="0" eaLnBrk="1" fontAlgn="auto" latinLnBrk="0" hangingPunct="1">
+              <a:lnSpc>
+                <a:spcPct val="100000"/>
+              </a:lnSpc>
+              <a:spcBef>
+                <a:spcPts val="0"/>
+              </a:spcBef>
+              <a:spcAft>
+                <a:spcPts val="0"/>
+              </a:spcAft>
               <a:buClr>
                 <a:srgbClr val="000000"/>
               </a:buClr>
+              <a:buSzTx/>
+              <a:buFontTx/>
+              <a:buNone/>
+              <a:tabLst/>
+              <a:defRPr/>
             </a:pPr>
-            <a:endParaRPr lang="en-US" sz="1867" kern="0">
+            <a:endParaRPr kumimoji="0" lang="en-US" sz="1867" b="0" i="0" u="none" strike="noStrike" kern="0" cap="none" spc="0" normalizeH="0" baseline="0" noProof="0">
+              <a:ln>
+                <a:noFill/>
+              </a:ln>
               <a:solidFill>
                 <a:prstClr val="black"/>
               </a:solidFill>
+              <a:effectLst/>
+              <a:uLnTx/>
+              <a:uFillTx/>
               <a:latin typeface="Calibri" panose="020F0502020204030204"/>
+              <a:ea typeface="+mn-ea"/>
+              <a:cs typeface="+mn-cs"/>
               <a:sym typeface="Arial"/>
             </a:endParaRPr>
           </a:p>
@@ -12050,17 +12602,38 @@
           </a:bodyPr>
           <a:lstStyle/>
           <a:p>
-            <a:pPr defTabSz="1219170">
+            <a:pPr marL="0" marR="0" lvl="0" indent="0" algn="l" defTabSz="1219170" rtl="0" eaLnBrk="1" fontAlgn="auto" latinLnBrk="0" hangingPunct="1">
+              <a:lnSpc>
+                <a:spcPct val="100000"/>
+              </a:lnSpc>
+              <a:spcBef>
+                <a:spcPts val="0"/>
+              </a:spcBef>
+              <a:spcAft>
+                <a:spcPts val="0"/>
+              </a:spcAft>
               <a:buClr>
                 <a:srgbClr val="000000"/>
               </a:buClr>
+              <a:buSzTx/>
+              <a:buFontTx/>
+              <a:buNone/>
+              <a:tabLst/>
+              <a:defRPr/>
             </a:pPr>
             <a:r>
-              <a:rPr lang="en-US" sz="1200" kern="0" dirty="0">
+              <a:rPr kumimoji="0" lang="en-US" sz="1200" b="0" i="0" u="none" strike="noStrike" kern="0" cap="none" spc="0" normalizeH="0" baseline="0" noProof="0" dirty="0">
+                <a:ln>
+                  <a:noFill/>
+                </a:ln>
                 <a:solidFill>
                   <a:srgbClr val="000000"/>
                 </a:solidFill>
+                <a:effectLst/>
+                <a:uLnTx/>
+                <a:uFillTx/>
                 <a:latin typeface="Century Gothic" panose="020B0502020202020204" pitchFamily="34" charset="0"/>
+                <a:ea typeface="+mn-ea"/>
                 <a:cs typeface="Arial"/>
                 <a:sym typeface="Arial"/>
               </a:rPr>
@@ -12097,17 +12670,38 @@
           </a:bodyPr>
           <a:lstStyle/>
           <a:p>
-            <a:pPr defTabSz="1219170">
+            <a:pPr marL="0" marR="0" lvl="0" indent="0" algn="l" defTabSz="1219170" rtl="0" eaLnBrk="1" fontAlgn="auto" latinLnBrk="0" hangingPunct="1">
+              <a:lnSpc>
+                <a:spcPct val="100000"/>
+              </a:lnSpc>
+              <a:spcBef>
+                <a:spcPts val="0"/>
+              </a:spcBef>
+              <a:spcAft>
+                <a:spcPts val="0"/>
+              </a:spcAft>
               <a:buClr>
                 <a:srgbClr val="000000"/>
               </a:buClr>
+              <a:buSzTx/>
+              <a:buFontTx/>
+              <a:buNone/>
+              <a:tabLst/>
+              <a:defRPr/>
             </a:pPr>
             <a:r>
-              <a:rPr lang="en-US" sz="1200" kern="0" dirty="0">
+              <a:rPr kumimoji="0" lang="en-US" sz="1200" b="0" i="0" u="none" strike="noStrike" kern="0" cap="none" spc="0" normalizeH="0" baseline="0" noProof="0" dirty="0">
+                <a:ln>
+                  <a:noFill/>
+                </a:ln>
                 <a:solidFill>
                   <a:srgbClr val="000000"/>
                 </a:solidFill>
+                <a:effectLst/>
+                <a:uLnTx/>
+                <a:uFillTx/>
                 <a:latin typeface="Century Gothic" panose="020B0502020202020204" pitchFamily="34" charset="0"/>
+                <a:ea typeface="+mn-ea"/>
                 <a:cs typeface="Arial"/>
                 <a:sym typeface="Arial"/>
               </a:rPr>
@@ -12144,17 +12738,38 @@
           </a:bodyPr>
           <a:lstStyle/>
           <a:p>
-            <a:pPr defTabSz="1219170">
+            <a:pPr marL="0" marR="0" lvl="0" indent="0" algn="l" defTabSz="1219170" rtl="0" eaLnBrk="1" fontAlgn="auto" latinLnBrk="0" hangingPunct="1">
+              <a:lnSpc>
+                <a:spcPct val="100000"/>
+              </a:lnSpc>
+              <a:spcBef>
+                <a:spcPts val="0"/>
+              </a:spcBef>
+              <a:spcAft>
+                <a:spcPts val="0"/>
+              </a:spcAft>
               <a:buClr>
                 <a:srgbClr val="000000"/>
               </a:buClr>
+              <a:buSzTx/>
+              <a:buFontTx/>
+              <a:buNone/>
+              <a:tabLst/>
+              <a:defRPr/>
             </a:pPr>
             <a:r>
-              <a:rPr lang="en-US" sz="1200" kern="0" dirty="0">
+              <a:rPr kumimoji="0" lang="en-US" sz="1200" b="0" i="0" u="none" strike="noStrike" kern="0" cap="none" spc="0" normalizeH="0" baseline="0" noProof="0" dirty="0">
+                <a:ln>
+                  <a:noFill/>
+                </a:ln>
                 <a:solidFill>
                   <a:srgbClr val="000000"/>
                 </a:solidFill>
+                <a:effectLst/>
+                <a:uLnTx/>
+                <a:uFillTx/>
                 <a:latin typeface="Century Gothic" panose="020B0502020202020204" pitchFamily="34" charset="0"/>
+                <a:ea typeface="+mn-ea"/>
                 <a:cs typeface="Arial"/>
                 <a:sym typeface="Arial"/>
               </a:rPr>
@@ -12191,17 +12806,38 @@
           </a:bodyPr>
           <a:lstStyle/>
           <a:p>
-            <a:pPr defTabSz="1219170">
+            <a:pPr marL="0" marR="0" lvl="0" indent="0" algn="l" defTabSz="1219170" rtl="0" eaLnBrk="1" fontAlgn="auto" latinLnBrk="0" hangingPunct="1">
+              <a:lnSpc>
+                <a:spcPct val="100000"/>
+              </a:lnSpc>
+              <a:spcBef>
+                <a:spcPts val="0"/>
+              </a:spcBef>
+              <a:spcAft>
+                <a:spcPts val="0"/>
+              </a:spcAft>
               <a:buClr>
                 <a:srgbClr val="000000"/>
               </a:buClr>
+              <a:buSzTx/>
+              <a:buFontTx/>
+              <a:buNone/>
+              <a:tabLst/>
+              <a:defRPr/>
             </a:pPr>
             <a:r>
-              <a:rPr lang="en-US" sz="1200" kern="0" dirty="0">
+              <a:rPr kumimoji="0" lang="en-US" sz="1200" b="0" i="0" u="none" strike="noStrike" kern="0" cap="none" spc="0" normalizeH="0" baseline="0" noProof="0" dirty="0">
+                <a:ln>
+                  <a:noFill/>
+                </a:ln>
                 <a:solidFill>
                   <a:srgbClr val="000000"/>
                 </a:solidFill>
+                <a:effectLst/>
+                <a:uLnTx/>
+                <a:uFillTx/>
                 <a:latin typeface="Century Gothic" panose="020B0502020202020204" pitchFamily="34" charset="0"/>
+                <a:ea typeface="+mn-ea"/>
                 <a:cs typeface="Arial"/>
                 <a:sym typeface="Arial"/>
               </a:rPr>
@@ -12232,8 +12868,9 @@
           </a:prstGeom>
           <a:ln w="19050">
             <a:solidFill>
-              <a:srgbClr val="00796B"/>
+              <a:srgbClr val="0070C0"/>
             </a:solidFill>
+            <a:headEnd w="lg" len="lg"/>
             <a:tailEnd type="oval"/>
           </a:ln>
         </p:spPr>
@@ -12274,8 +12911,9 @@
           </a:prstGeom>
           <a:ln w="19050">
             <a:solidFill>
-              <a:srgbClr val="00796B"/>
+              <a:srgbClr val="0070C0"/>
             </a:solidFill>
+            <a:headEnd w="lg" len="lg"/>
             <a:tailEnd type="oval"/>
           </a:ln>
         </p:spPr>
@@ -12316,8 +12954,9 @@
           </a:prstGeom>
           <a:ln w="19050">
             <a:solidFill>
-              <a:srgbClr val="4EB4AB"/>
+              <a:srgbClr val="0070C0"/>
             </a:solidFill>
+            <a:headEnd w="lg" len="lg"/>
             <a:tailEnd type="oval"/>
           </a:ln>
         </p:spPr>
@@ -12358,8 +12997,9 @@
           </a:prstGeom>
           <a:ln w="19050">
             <a:solidFill>
-              <a:srgbClr val="9FE3DC"/>
+              <a:srgbClr val="0070C0"/>
             </a:solidFill>
+            <a:headEnd w="lg" len="lg"/>
             <a:tailEnd type="oval"/>
           </a:ln>
         </p:spPr>
@@ -12400,9 +13040,9 @@
           </a:prstGeom>
           <a:ln w="19050">
             <a:solidFill>
-              <a:srgbClr val="00796B"/>
+              <a:srgbClr val="0070C0"/>
             </a:solidFill>
-            <a:headEnd type="oval"/>
+            <a:headEnd type="oval" w="lg" len="lg"/>
           </a:ln>
         </p:spPr>
         <p:style>
@@ -12442,9 +13082,9 @@
           </a:prstGeom>
           <a:ln w="19050">
             <a:solidFill>
-              <a:srgbClr val="00796B"/>
+              <a:srgbClr val="0070C0"/>
             </a:solidFill>
-            <a:headEnd type="oval"/>
+            <a:headEnd type="oval" w="lg" len="lg"/>
           </a:ln>
         </p:spPr>
         <p:style>
@@ -12484,9 +13124,9 @@
           </a:prstGeom>
           <a:ln w="19050">
             <a:solidFill>
-              <a:srgbClr val="4EB4AB"/>
+              <a:srgbClr val="0070C0"/>
             </a:solidFill>
-            <a:headEnd type="oval"/>
+            <a:headEnd type="oval" w="lg" len="lg"/>
           </a:ln>
         </p:spPr>
         <p:style>
@@ -12518,7 +13158,7 @@
         </p:nvCxnSpPr>
         <p:spPr>
           <a:xfrm>
-            <a:off x="11521041" y="2166600"/>
+            <a:off x="11112316" y="2166600"/>
             <a:ext cx="0" cy="988800"/>
           </a:xfrm>
           <a:prstGeom prst="line">
@@ -12526,9 +13166,9 @@
           </a:prstGeom>
           <a:ln w="19050">
             <a:solidFill>
-              <a:srgbClr val="9FE3DC"/>
+              <a:srgbClr val="0070C0"/>
             </a:solidFill>
-            <a:headEnd type="oval"/>
+            <a:headEnd type="oval" w="lg" len="lg"/>
           </a:ln>
         </p:spPr>
         <p:style>
@@ -12574,17 +13214,38 @@
           </a:bodyPr>
           <a:lstStyle/>
           <a:p>
-            <a:pPr defTabSz="1219170">
+            <a:pPr marL="0" marR="0" lvl="0" indent="0" algn="l" defTabSz="1219170" rtl="0" eaLnBrk="1" fontAlgn="auto" latinLnBrk="0" hangingPunct="1">
+              <a:lnSpc>
+                <a:spcPct val="100000"/>
+              </a:lnSpc>
+              <a:spcBef>
+                <a:spcPts val="0"/>
+              </a:spcBef>
+              <a:spcAft>
+                <a:spcPts val="0"/>
+              </a:spcAft>
               <a:buClr>
                 <a:srgbClr val="000000"/>
               </a:buClr>
+              <a:buSzTx/>
+              <a:buFontTx/>
+              <a:buNone/>
+              <a:tabLst/>
+              <a:defRPr/>
             </a:pPr>
             <a:r>
-              <a:rPr lang="en-US" sz="1867" kern="0" dirty="0">
+              <a:rPr kumimoji="0" lang="en-US" sz="1867" b="0" i="0" u="none" strike="noStrike" kern="0" cap="none" spc="0" normalizeH="0" baseline="0" noProof="0" dirty="0">
+                <a:ln>
+                  <a:noFill/>
+                </a:ln>
                 <a:solidFill>
                   <a:srgbClr val="000000"/>
                 </a:solidFill>
+                <a:effectLst/>
+                <a:uLnTx/>
+                <a:uFillTx/>
                 <a:latin typeface="Arial"/>
+                <a:ea typeface="+mn-ea"/>
                 <a:cs typeface="Arial"/>
                 <a:sym typeface="Arial"/>
               </a:rPr>
@@ -12621,17 +13282,38 @@
           </a:bodyPr>
           <a:lstStyle/>
           <a:p>
-            <a:pPr defTabSz="1219170">
+            <a:pPr marL="0" marR="0" lvl="0" indent="0" algn="l" defTabSz="1219170" rtl="0" eaLnBrk="1" fontAlgn="auto" latinLnBrk="0" hangingPunct="1">
+              <a:lnSpc>
+                <a:spcPct val="100000"/>
+              </a:lnSpc>
+              <a:spcBef>
+                <a:spcPts val="0"/>
+              </a:spcBef>
+              <a:spcAft>
+                <a:spcPts val="0"/>
+              </a:spcAft>
               <a:buClr>
                 <a:srgbClr val="000000"/>
               </a:buClr>
+              <a:buSzTx/>
+              <a:buFontTx/>
+              <a:buNone/>
+              <a:tabLst/>
+              <a:defRPr/>
             </a:pPr>
             <a:r>
-              <a:rPr lang="en-US" sz="1200" kern="0" dirty="0">
+              <a:rPr kumimoji="0" lang="en-US" sz="1200" b="0" i="0" u="none" strike="noStrike" kern="0" cap="none" spc="0" normalizeH="0" baseline="0" noProof="0" dirty="0">
+                <a:ln>
+                  <a:noFill/>
+                </a:ln>
                 <a:solidFill>
                   <a:srgbClr val="000000"/>
                 </a:solidFill>
+                <a:effectLst/>
+                <a:uLnTx/>
+                <a:uFillTx/>
                 <a:latin typeface="Century Gothic" panose="020B0502020202020204" pitchFamily="34" charset="0"/>
+                <a:ea typeface="+mn-ea"/>
                 <a:cs typeface="Arial"/>
                 <a:sym typeface="Arial"/>
               </a:rPr>
@@ -12668,17 +13350,38 @@
           </a:bodyPr>
           <a:lstStyle/>
           <a:p>
-            <a:pPr algn="ctr" defTabSz="1219170">
+            <a:pPr marL="0" marR="0" lvl="0" indent="0" algn="ctr" defTabSz="1219170" rtl="0" eaLnBrk="1" fontAlgn="auto" latinLnBrk="0" hangingPunct="1">
+              <a:lnSpc>
+                <a:spcPct val="100000"/>
+              </a:lnSpc>
+              <a:spcBef>
+                <a:spcPts val="0"/>
+              </a:spcBef>
+              <a:spcAft>
+                <a:spcPts val="0"/>
+              </a:spcAft>
               <a:buClr>
                 <a:srgbClr val="000000"/>
               </a:buClr>
+              <a:buSzTx/>
+              <a:buFontTx/>
+              <a:buNone/>
+              <a:tabLst/>
+              <a:defRPr/>
             </a:pPr>
             <a:r>
-              <a:rPr lang="en-US" sz="1867" kern="0" dirty="0">
+              <a:rPr kumimoji="0" lang="en-US" sz="1867" b="0" i="0" u="none" strike="noStrike" kern="0" cap="none" spc="0" normalizeH="0" baseline="0" noProof="0" dirty="0">
+                <a:ln>
+                  <a:noFill/>
+                </a:ln>
                 <a:solidFill>
                   <a:srgbClr val="000000"/>
                 </a:solidFill>
+                <a:effectLst/>
+                <a:uLnTx/>
+                <a:uFillTx/>
                 <a:latin typeface="Arial"/>
+                <a:ea typeface="+mn-ea"/>
                 <a:cs typeface="Arial"/>
                 <a:sym typeface="Arial"/>
               </a:rPr>
@@ -12686,17 +13389,38 @@
             </a:r>
           </a:p>
           <a:p>
-            <a:pPr algn="ctr" defTabSz="1219170">
+            <a:pPr marL="0" marR="0" lvl="0" indent="0" algn="ctr" defTabSz="1219170" rtl="0" eaLnBrk="1" fontAlgn="auto" latinLnBrk="0" hangingPunct="1">
+              <a:lnSpc>
+                <a:spcPct val="100000"/>
+              </a:lnSpc>
+              <a:spcBef>
+                <a:spcPts val="0"/>
+              </a:spcBef>
+              <a:spcAft>
+                <a:spcPts val="0"/>
+              </a:spcAft>
               <a:buClr>
                 <a:srgbClr val="000000"/>
               </a:buClr>
+              <a:buSzTx/>
+              <a:buFontTx/>
+              <a:buNone/>
+              <a:tabLst/>
+              <a:defRPr/>
             </a:pPr>
             <a:r>
-              <a:rPr lang="en-US" sz="1867" kern="0" dirty="0">
+              <a:rPr kumimoji="0" lang="en-US" sz="1867" b="0" i="0" u="none" strike="noStrike" kern="0" cap="none" spc="0" normalizeH="0" baseline="0" noProof="0" dirty="0">
+                <a:ln>
+                  <a:noFill/>
+                </a:ln>
                 <a:solidFill>
                   <a:srgbClr val="000000"/>
                 </a:solidFill>
+                <a:effectLst/>
+                <a:uLnTx/>
+                <a:uFillTx/>
                 <a:latin typeface="Arial"/>
+                <a:ea typeface="+mn-ea"/>
                 <a:cs typeface="Arial"/>
                 <a:sym typeface="Arial"/>
               </a:rPr>
@@ -12733,17 +13457,38 @@
           </a:bodyPr>
           <a:lstStyle/>
           <a:p>
-            <a:pPr defTabSz="1219170">
+            <a:pPr marL="0" marR="0" lvl="0" indent="0" algn="l" defTabSz="1219170" rtl="0" eaLnBrk="1" fontAlgn="auto" latinLnBrk="0" hangingPunct="1">
+              <a:lnSpc>
+                <a:spcPct val="100000"/>
+              </a:lnSpc>
+              <a:spcBef>
+                <a:spcPts val="0"/>
+              </a:spcBef>
+              <a:spcAft>
+                <a:spcPts val="0"/>
+              </a:spcAft>
               <a:buClr>
                 <a:srgbClr val="000000"/>
               </a:buClr>
+              <a:buSzTx/>
+              <a:buFontTx/>
+              <a:buNone/>
+              <a:tabLst/>
+              <a:defRPr/>
             </a:pPr>
             <a:r>
-              <a:rPr lang="en-US" sz="1200" kern="0" dirty="0">
+              <a:rPr kumimoji="0" lang="en-US" sz="1200" b="0" i="0" u="none" strike="noStrike" kern="0" cap="none" spc="0" normalizeH="0" baseline="0" noProof="0" dirty="0">
+                <a:ln>
+                  <a:noFill/>
+                </a:ln>
                 <a:solidFill>
                   <a:srgbClr val="000000"/>
                 </a:solidFill>
+                <a:effectLst/>
+                <a:uLnTx/>
+                <a:uFillTx/>
                 <a:latin typeface="Century Gothic" panose="020B0502020202020204" pitchFamily="34" charset="0"/>
+                <a:ea typeface="+mn-ea"/>
                 <a:cs typeface="Arial"/>
                 <a:sym typeface="Arial"/>
               </a:rPr>
@@ -12780,17 +13525,38 @@
           </a:bodyPr>
           <a:lstStyle/>
           <a:p>
-            <a:pPr algn="ctr" defTabSz="1219170">
+            <a:pPr marL="0" marR="0" lvl="0" indent="0" algn="ctr" defTabSz="1219170" rtl="0" eaLnBrk="1" fontAlgn="auto" latinLnBrk="0" hangingPunct="1">
+              <a:lnSpc>
+                <a:spcPct val="100000"/>
+              </a:lnSpc>
+              <a:spcBef>
+                <a:spcPts val="0"/>
+              </a:spcBef>
+              <a:spcAft>
+                <a:spcPts val="0"/>
+              </a:spcAft>
               <a:buClr>
                 <a:srgbClr val="000000"/>
               </a:buClr>
+              <a:buSzTx/>
+              <a:buFontTx/>
+              <a:buNone/>
+              <a:tabLst/>
+              <a:defRPr/>
             </a:pPr>
             <a:r>
-              <a:rPr lang="en-US" sz="1867" kern="0" dirty="0">
+              <a:rPr kumimoji="0" lang="en-US" sz="1867" b="0" i="0" u="none" strike="noStrike" kern="0" cap="none" spc="0" normalizeH="0" baseline="0" noProof="0" dirty="0">
+                <a:ln>
+                  <a:noFill/>
+                </a:ln>
                 <a:solidFill>
                   <a:srgbClr val="000000"/>
                 </a:solidFill>
+                <a:effectLst/>
+                <a:uLnTx/>
+                <a:uFillTx/>
                 <a:latin typeface="Arial"/>
+                <a:ea typeface="+mn-ea"/>
                 <a:cs typeface="Arial"/>
                 <a:sym typeface="Arial"/>
               </a:rPr>
@@ -12798,17 +13564,38 @@
             </a:r>
           </a:p>
           <a:p>
-            <a:pPr algn="ctr" defTabSz="1219170">
+            <a:pPr marL="0" marR="0" lvl="0" indent="0" algn="ctr" defTabSz="1219170" rtl="0" eaLnBrk="1" fontAlgn="auto" latinLnBrk="0" hangingPunct="1">
+              <a:lnSpc>
+                <a:spcPct val="100000"/>
+              </a:lnSpc>
+              <a:spcBef>
+                <a:spcPts val="0"/>
+              </a:spcBef>
+              <a:spcAft>
+                <a:spcPts val="0"/>
+              </a:spcAft>
               <a:buClr>
                 <a:srgbClr val="000000"/>
               </a:buClr>
+              <a:buSzTx/>
+              <a:buFontTx/>
+              <a:buNone/>
+              <a:tabLst/>
+              <a:defRPr/>
             </a:pPr>
             <a:r>
-              <a:rPr lang="en-US" sz="1867" kern="0" dirty="0">
+              <a:rPr kumimoji="0" lang="en-US" sz="1867" b="0" i="0" u="none" strike="noStrike" kern="0" cap="none" spc="0" normalizeH="0" baseline="0" noProof="0" dirty="0">
+                <a:ln>
+                  <a:noFill/>
+                </a:ln>
                 <a:solidFill>
                   <a:srgbClr val="000000"/>
                 </a:solidFill>
+                <a:effectLst/>
+                <a:uLnTx/>
+                <a:uFillTx/>
                 <a:latin typeface="Arial"/>
+                <a:ea typeface="+mn-ea"/>
                 <a:cs typeface="Arial"/>
                 <a:sym typeface="Arial"/>
               </a:rPr>
@@ -12845,17 +13632,38 @@
           </a:bodyPr>
           <a:lstStyle/>
           <a:p>
-            <a:pPr defTabSz="1219170">
+            <a:pPr marL="0" marR="0" lvl="0" indent="0" algn="l" defTabSz="1219170" rtl="0" eaLnBrk="1" fontAlgn="auto" latinLnBrk="0" hangingPunct="1">
+              <a:lnSpc>
+                <a:spcPct val="100000"/>
+              </a:lnSpc>
+              <a:spcBef>
+                <a:spcPts val="0"/>
+              </a:spcBef>
+              <a:spcAft>
+                <a:spcPts val="0"/>
+              </a:spcAft>
               <a:buClr>
                 <a:srgbClr val="000000"/>
               </a:buClr>
+              <a:buSzTx/>
+              <a:buFontTx/>
+              <a:buNone/>
+              <a:tabLst/>
+              <a:defRPr/>
             </a:pPr>
             <a:r>
-              <a:rPr lang="en-US" sz="1200" kern="0" dirty="0">
+              <a:rPr kumimoji="0" lang="en-US" sz="1200" b="0" i="0" u="none" strike="noStrike" kern="0" cap="none" spc="0" normalizeH="0" baseline="0" noProof="0" dirty="0">
+                <a:ln>
+                  <a:noFill/>
+                </a:ln>
                 <a:solidFill>
                   <a:srgbClr val="000000"/>
                 </a:solidFill>
+                <a:effectLst/>
+                <a:uLnTx/>
+                <a:uFillTx/>
                 <a:latin typeface="Century Gothic" panose="020B0502020202020204" pitchFamily="34" charset="0"/>
+                <a:ea typeface="+mn-ea"/>
                 <a:cs typeface="Arial"/>
                 <a:sym typeface="Arial"/>
               </a:rPr>
@@ -12892,17 +13700,38 @@
           </a:bodyPr>
           <a:lstStyle/>
           <a:p>
-            <a:pPr algn="ctr" defTabSz="1219170">
+            <a:pPr marL="0" marR="0" lvl="0" indent="0" algn="ctr" defTabSz="1219170" rtl="0" eaLnBrk="1" fontAlgn="auto" latinLnBrk="0" hangingPunct="1">
+              <a:lnSpc>
+                <a:spcPct val="100000"/>
+              </a:lnSpc>
+              <a:spcBef>
+                <a:spcPts val="0"/>
+              </a:spcBef>
+              <a:spcAft>
+                <a:spcPts val="0"/>
+              </a:spcAft>
               <a:buClr>
                 <a:srgbClr val="000000"/>
               </a:buClr>
+              <a:buSzTx/>
+              <a:buFontTx/>
+              <a:buNone/>
+              <a:tabLst/>
+              <a:defRPr/>
             </a:pPr>
             <a:r>
-              <a:rPr lang="en-US" sz="1867" kern="0" dirty="0">
+              <a:rPr kumimoji="0" lang="en-US" sz="1867" b="0" i="0" u="none" strike="noStrike" kern="0" cap="none" spc="0" normalizeH="0" baseline="0" noProof="0" dirty="0">
+                <a:ln>
+                  <a:noFill/>
+                </a:ln>
                 <a:solidFill>
                   <a:srgbClr val="000000"/>
                 </a:solidFill>
+                <a:effectLst/>
+                <a:uLnTx/>
+                <a:uFillTx/>
                 <a:latin typeface="Arial"/>
+                <a:ea typeface="+mn-ea"/>
                 <a:cs typeface="Arial"/>
                 <a:sym typeface="Arial"/>
               </a:rPr>
@@ -12910,17 +13739,38 @@
             </a:r>
           </a:p>
           <a:p>
-            <a:pPr algn="ctr" defTabSz="1219170">
+            <a:pPr marL="0" marR="0" lvl="0" indent="0" algn="ctr" defTabSz="1219170" rtl="0" eaLnBrk="1" fontAlgn="auto" latinLnBrk="0" hangingPunct="1">
+              <a:lnSpc>
+                <a:spcPct val="100000"/>
+              </a:lnSpc>
+              <a:spcBef>
+                <a:spcPts val="0"/>
+              </a:spcBef>
+              <a:spcAft>
+                <a:spcPts val="0"/>
+              </a:spcAft>
               <a:buClr>
                 <a:srgbClr val="000000"/>
               </a:buClr>
+              <a:buSzTx/>
+              <a:buFontTx/>
+              <a:buNone/>
+              <a:tabLst/>
+              <a:defRPr/>
             </a:pPr>
             <a:r>
-              <a:rPr lang="en-US" sz="1867" kern="0" dirty="0">
+              <a:rPr kumimoji="0" lang="en-US" sz="1867" b="0" i="0" u="none" strike="noStrike" kern="0" cap="none" spc="0" normalizeH="0" baseline="0" noProof="0" dirty="0">
+                <a:ln>
+                  <a:noFill/>
+                </a:ln>
                 <a:solidFill>
                   <a:srgbClr val="000000"/>
                 </a:solidFill>
+                <a:effectLst/>
+                <a:uLnTx/>
+                <a:uFillTx/>
                 <a:latin typeface="Arial"/>
+                <a:ea typeface="+mn-ea"/>
                 <a:cs typeface="Arial"/>
                 <a:sym typeface="Arial"/>
               </a:rPr>
@@ -12957,17 +13807,38 @@
           </a:bodyPr>
           <a:lstStyle/>
           <a:p>
-            <a:pPr defTabSz="1219170">
+            <a:pPr marL="0" marR="0" lvl="0" indent="0" algn="l" defTabSz="1219170" rtl="0" eaLnBrk="1" fontAlgn="auto" latinLnBrk="0" hangingPunct="1">
+              <a:lnSpc>
+                <a:spcPct val="100000"/>
+              </a:lnSpc>
+              <a:spcBef>
+                <a:spcPts val="0"/>
+              </a:spcBef>
+              <a:spcAft>
+                <a:spcPts val="0"/>
+              </a:spcAft>
               <a:buClr>
                 <a:srgbClr val="000000"/>
               </a:buClr>
+              <a:buSzTx/>
+              <a:buFontTx/>
+              <a:buNone/>
+              <a:tabLst/>
+              <a:defRPr/>
             </a:pPr>
             <a:r>
-              <a:rPr lang="en-US" sz="1200" kern="0" dirty="0">
+              <a:rPr kumimoji="0" lang="en-US" sz="1200" b="0" i="0" u="none" strike="noStrike" kern="0" cap="none" spc="0" normalizeH="0" baseline="0" noProof="0" dirty="0">
+                <a:ln>
+                  <a:noFill/>
+                </a:ln>
                 <a:solidFill>
                   <a:srgbClr val="000000"/>
                 </a:solidFill>
+                <a:effectLst/>
+                <a:uLnTx/>
+                <a:uFillTx/>
                 <a:latin typeface="Century Gothic" panose="020B0502020202020204" pitchFamily="34" charset="0"/>
+                <a:ea typeface="+mn-ea"/>
                 <a:cs typeface="Arial"/>
                 <a:sym typeface="Arial"/>
               </a:rPr>
@@ -13004,17 +13875,38 @@
           </a:bodyPr>
           <a:lstStyle/>
           <a:p>
-            <a:pPr algn="ctr" defTabSz="1219170">
+            <a:pPr marL="0" marR="0" lvl="0" indent="0" algn="ctr" defTabSz="1219170" rtl="0" eaLnBrk="1" fontAlgn="auto" latinLnBrk="0" hangingPunct="1">
+              <a:lnSpc>
+                <a:spcPct val="100000"/>
+              </a:lnSpc>
+              <a:spcBef>
+                <a:spcPts val="0"/>
+              </a:spcBef>
+              <a:spcAft>
+                <a:spcPts val="0"/>
+              </a:spcAft>
               <a:buClr>
                 <a:srgbClr val="000000"/>
               </a:buClr>
+              <a:buSzTx/>
+              <a:buFontTx/>
+              <a:buNone/>
+              <a:tabLst/>
+              <a:defRPr/>
             </a:pPr>
             <a:r>
-              <a:rPr lang="en-US" sz="1867" kern="0" dirty="0">
+              <a:rPr kumimoji="0" lang="en-US" sz="1867" b="0" i="0" u="none" strike="noStrike" kern="0" cap="none" spc="0" normalizeH="0" baseline="0" noProof="0" dirty="0">
+                <a:ln>
+                  <a:noFill/>
+                </a:ln>
                 <a:solidFill>
                   <a:srgbClr val="000000"/>
                 </a:solidFill>
+                <a:effectLst/>
+                <a:uLnTx/>
+                <a:uFillTx/>
                 <a:latin typeface="Arial"/>
+                <a:ea typeface="+mn-ea"/>
                 <a:cs typeface="Arial"/>
                 <a:sym typeface="Arial"/>
               </a:rPr>
@@ -13051,17 +13943,38 @@
           </a:bodyPr>
           <a:lstStyle/>
           <a:p>
-            <a:pPr defTabSz="1219170">
+            <a:pPr marL="0" marR="0" lvl="0" indent="0" algn="l" defTabSz="1219170" rtl="0" eaLnBrk="1" fontAlgn="auto" latinLnBrk="0" hangingPunct="1">
+              <a:lnSpc>
+                <a:spcPct val="100000"/>
+              </a:lnSpc>
+              <a:spcBef>
+                <a:spcPts val="0"/>
+              </a:spcBef>
+              <a:spcAft>
+                <a:spcPts val="0"/>
+              </a:spcAft>
               <a:buClr>
                 <a:srgbClr val="000000"/>
               </a:buClr>
+              <a:buSzTx/>
+              <a:buFontTx/>
+              <a:buNone/>
+              <a:tabLst/>
+              <a:defRPr/>
             </a:pPr>
             <a:r>
-              <a:rPr lang="en-US" sz="1200" kern="0" dirty="0">
+              <a:rPr kumimoji="0" lang="en-US" sz="1200" b="0" i="0" u="none" strike="noStrike" kern="0" cap="none" spc="0" normalizeH="0" baseline="0" noProof="0" dirty="0">
+                <a:ln>
+                  <a:noFill/>
+                </a:ln>
                 <a:solidFill>
                   <a:srgbClr val="000000"/>
                 </a:solidFill>
+                <a:effectLst/>
+                <a:uLnTx/>
+                <a:uFillTx/>
                 <a:latin typeface="Century Gothic" panose="020B0502020202020204" pitchFamily="34" charset="0"/>
+                <a:ea typeface="+mn-ea"/>
                 <a:cs typeface="Arial"/>
                 <a:sym typeface="Arial"/>
               </a:rPr>
@@ -13098,17 +14011,38 @@
           </a:bodyPr>
           <a:lstStyle/>
           <a:p>
-            <a:pPr algn="ctr" defTabSz="1219170">
+            <a:pPr marL="0" marR="0" lvl="0" indent="0" algn="ctr" defTabSz="1219170" rtl="0" eaLnBrk="1" fontAlgn="auto" latinLnBrk="0" hangingPunct="1">
+              <a:lnSpc>
+                <a:spcPct val="100000"/>
+              </a:lnSpc>
+              <a:spcBef>
+                <a:spcPts val="0"/>
+              </a:spcBef>
+              <a:spcAft>
+                <a:spcPts val="0"/>
+              </a:spcAft>
               <a:buClr>
                 <a:srgbClr val="000000"/>
               </a:buClr>
+              <a:buSzTx/>
+              <a:buFontTx/>
+              <a:buNone/>
+              <a:tabLst/>
+              <a:defRPr/>
             </a:pPr>
             <a:r>
-              <a:rPr lang="en-US" sz="1867" kern="0" dirty="0">
+              <a:rPr kumimoji="0" lang="en-US" sz="1867" b="0" i="0" u="none" strike="noStrike" kern="0" cap="none" spc="0" normalizeH="0" baseline="0" noProof="0" dirty="0">
+                <a:ln>
+                  <a:noFill/>
+                </a:ln>
                 <a:solidFill>
                   <a:srgbClr val="000000"/>
                 </a:solidFill>
+                <a:effectLst/>
+                <a:uLnTx/>
+                <a:uFillTx/>
                 <a:latin typeface="Arial"/>
+                <a:ea typeface="+mn-ea"/>
                 <a:cs typeface="Arial"/>
                 <a:sym typeface="Arial"/>
               </a:rPr>
@@ -13116,17 +14050,38 @@
             </a:r>
           </a:p>
           <a:p>
-            <a:pPr algn="ctr" defTabSz="1219170">
+            <a:pPr marL="0" marR="0" lvl="0" indent="0" algn="ctr" defTabSz="1219170" rtl="0" eaLnBrk="1" fontAlgn="auto" latinLnBrk="0" hangingPunct="1">
+              <a:lnSpc>
+                <a:spcPct val="100000"/>
+              </a:lnSpc>
+              <a:spcBef>
+                <a:spcPts val="0"/>
+              </a:spcBef>
+              <a:spcAft>
+                <a:spcPts val="0"/>
+              </a:spcAft>
               <a:buClr>
                 <a:srgbClr val="000000"/>
               </a:buClr>
+              <a:buSzTx/>
+              <a:buFontTx/>
+              <a:buNone/>
+              <a:tabLst/>
+              <a:defRPr/>
             </a:pPr>
             <a:r>
-              <a:rPr lang="en-US" sz="1867" kern="0" dirty="0">
+              <a:rPr kumimoji="0" lang="en-US" sz="1867" b="0" i="0" u="none" strike="noStrike" kern="0" cap="none" spc="0" normalizeH="0" baseline="0" noProof="0" dirty="0">
+                <a:ln>
+                  <a:noFill/>
+                </a:ln>
                 <a:solidFill>
                   <a:srgbClr val="000000"/>
                 </a:solidFill>
+                <a:effectLst/>
+                <a:uLnTx/>
+                <a:uFillTx/>
                 <a:latin typeface="Arial"/>
+                <a:ea typeface="+mn-ea"/>
                 <a:cs typeface="Arial"/>
                 <a:sym typeface="Arial"/>
               </a:rPr>
@@ -13163,17 +14118,38 @@
           </a:bodyPr>
           <a:lstStyle/>
           <a:p>
-            <a:pPr defTabSz="1219170">
+            <a:pPr marL="0" marR="0" lvl="0" indent="0" algn="l" defTabSz="1219170" rtl="0" eaLnBrk="1" fontAlgn="auto" latinLnBrk="0" hangingPunct="1">
+              <a:lnSpc>
+                <a:spcPct val="100000"/>
+              </a:lnSpc>
+              <a:spcBef>
+                <a:spcPts val="0"/>
+              </a:spcBef>
+              <a:spcAft>
+                <a:spcPts val="0"/>
+              </a:spcAft>
               <a:buClr>
                 <a:srgbClr val="000000"/>
               </a:buClr>
+              <a:buSzTx/>
+              <a:buFontTx/>
+              <a:buNone/>
+              <a:tabLst/>
+              <a:defRPr/>
             </a:pPr>
             <a:r>
-              <a:rPr lang="en-US" sz="1200" kern="0" dirty="0">
+              <a:rPr kumimoji="0" lang="en-US" sz="1200" b="0" i="0" u="none" strike="noStrike" kern="0" cap="none" spc="0" normalizeH="0" baseline="0" noProof="0" dirty="0">
+                <a:ln>
+                  <a:noFill/>
+                </a:ln>
                 <a:solidFill>
                   <a:srgbClr val="000000"/>
                 </a:solidFill>
+                <a:effectLst/>
+                <a:uLnTx/>
+                <a:uFillTx/>
                 <a:latin typeface="Century Gothic" panose="020B0502020202020204" pitchFamily="34" charset="0"/>
+                <a:ea typeface="+mn-ea"/>
                 <a:cs typeface="Arial"/>
                 <a:sym typeface="Arial"/>
               </a:rPr>
@@ -13210,17 +14186,38 @@
           </a:bodyPr>
           <a:lstStyle/>
           <a:p>
-            <a:pPr algn="ctr" defTabSz="1219170">
+            <a:pPr marL="0" marR="0" lvl="0" indent="0" algn="ctr" defTabSz="1219170" rtl="0" eaLnBrk="1" fontAlgn="auto" latinLnBrk="0" hangingPunct="1">
+              <a:lnSpc>
+                <a:spcPct val="100000"/>
+              </a:lnSpc>
+              <a:spcBef>
+                <a:spcPts val="0"/>
+              </a:spcBef>
+              <a:spcAft>
+                <a:spcPts val="0"/>
+              </a:spcAft>
               <a:buClr>
                 <a:srgbClr val="000000"/>
               </a:buClr>
+              <a:buSzTx/>
+              <a:buFontTx/>
+              <a:buNone/>
+              <a:tabLst/>
+              <a:defRPr/>
             </a:pPr>
             <a:r>
-              <a:rPr lang="en-US" sz="1867" kern="0" dirty="0">
+              <a:rPr kumimoji="0" lang="en-US" sz="1867" b="0" i="0" u="none" strike="noStrike" kern="0" cap="none" spc="0" normalizeH="0" baseline="0" noProof="0" dirty="0">
+                <a:ln>
+                  <a:noFill/>
+                </a:ln>
                 <a:solidFill>
                   <a:srgbClr val="000000"/>
                 </a:solidFill>
+                <a:effectLst/>
+                <a:uLnTx/>
+                <a:uFillTx/>
                 <a:latin typeface="Arial"/>
+                <a:ea typeface="+mn-ea"/>
                 <a:cs typeface="Arial"/>
                 <a:sym typeface="Arial"/>
               </a:rPr>
@@ -13228,17 +14225,38 @@
             </a:r>
           </a:p>
           <a:p>
-            <a:pPr algn="ctr" defTabSz="1219170">
+            <a:pPr marL="0" marR="0" lvl="0" indent="0" algn="ctr" defTabSz="1219170" rtl="0" eaLnBrk="1" fontAlgn="auto" latinLnBrk="0" hangingPunct="1">
+              <a:lnSpc>
+                <a:spcPct val="100000"/>
+              </a:lnSpc>
+              <a:spcBef>
+                <a:spcPts val="0"/>
+              </a:spcBef>
+              <a:spcAft>
+                <a:spcPts val="0"/>
+              </a:spcAft>
               <a:buClr>
                 <a:srgbClr val="000000"/>
               </a:buClr>
+              <a:buSzTx/>
+              <a:buFontTx/>
+              <a:buNone/>
+              <a:tabLst/>
+              <a:defRPr/>
             </a:pPr>
             <a:r>
-              <a:rPr lang="en-US" sz="1867" kern="0" dirty="0">
+              <a:rPr kumimoji="0" lang="en-US" sz="1867" b="0" i="0" u="none" strike="noStrike" kern="0" cap="none" spc="0" normalizeH="0" baseline="0" noProof="0" dirty="0">
+                <a:ln>
+                  <a:noFill/>
+                </a:ln>
                 <a:solidFill>
                   <a:srgbClr val="000000"/>
                 </a:solidFill>
+                <a:effectLst/>
+                <a:uLnTx/>
+                <a:uFillTx/>
                 <a:latin typeface="Arial"/>
+                <a:ea typeface="+mn-ea"/>
                 <a:cs typeface="Arial"/>
                 <a:sym typeface="Arial"/>
               </a:rPr>
@@ -13275,17 +14293,38 @@
           </a:bodyPr>
           <a:lstStyle/>
           <a:p>
-            <a:pPr defTabSz="1219170">
+            <a:pPr marL="0" marR="0" lvl="0" indent="0" algn="l" defTabSz="1219170" rtl="0" eaLnBrk="1" fontAlgn="auto" latinLnBrk="0" hangingPunct="1">
+              <a:lnSpc>
+                <a:spcPct val="100000"/>
+              </a:lnSpc>
+              <a:spcBef>
+                <a:spcPts val="0"/>
+              </a:spcBef>
+              <a:spcAft>
+                <a:spcPts val="0"/>
+              </a:spcAft>
               <a:buClr>
                 <a:srgbClr val="000000"/>
               </a:buClr>
+              <a:buSzTx/>
+              <a:buFontTx/>
+              <a:buNone/>
+              <a:tabLst/>
+              <a:defRPr/>
             </a:pPr>
             <a:r>
-              <a:rPr lang="en-US" sz="1200" kern="0" dirty="0">
+              <a:rPr kumimoji="0" lang="en-US" sz="1200" b="0" i="0" u="none" strike="noStrike" kern="0" cap="none" spc="0" normalizeH="0" baseline="0" noProof="0" dirty="0">
+                <a:ln>
+                  <a:noFill/>
+                </a:ln>
                 <a:solidFill>
                   <a:srgbClr val="000000"/>
                 </a:solidFill>
+                <a:effectLst/>
+                <a:uLnTx/>
+                <a:uFillTx/>
                 <a:latin typeface="Century Gothic" panose="020B0502020202020204" pitchFamily="34" charset="0"/>
+                <a:ea typeface="+mn-ea"/>
                 <a:cs typeface="Arial"/>
                 <a:sym typeface="Arial"/>
               </a:rPr>
@@ -13322,17 +14361,38 @@
           </a:bodyPr>
           <a:lstStyle/>
           <a:p>
-            <a:pPr algn="ctr" defTabSz="1219170">
+            <a:pPr marL="0" marR="0" lvl="0" indent="0" algn="ctr" defTabSz="1219170" rtl="0" eaLnBrk="1" fontAlgn="auto" latinLnBrk="0" hangingPunct="1">
+              <a:lnSpc>
+                <a:spcPct val="100000"/>
+              </a:lnSpc>
+              <a:spcBef>
+                <a:spcPts val="0"/>
+              </a:spcBef>
+              <a:spcAft>
+                <a:spcPts val="0"/>
+              </a:spcAft>
               <a:buClr>
                 <a:srgbClr val="000000"/>
               </a:buClr>
+              <a:buSzTx/>
+              <a:buFontTx/>
+              <a:buNone/>
+              <a:tabLst/>
+              <a:defRPr/>
             </a:pPr>
             <a:r>
-              <a:rPr lang="en-US" sz="1867" kern="0" dirty="0">
+              <a:rPr kumimoji="0" lang="en-US" sz="1867" b="0" i="0" u="none" strike="noStrike" kern="0" cap="none" spc="0" normalizeH="0" baseline="0" noProof="0" dirty="0">
+                <a:ln>
+                  <a:noFill/>
+                </a:ln>
                 <a:solidFill>
                   <a:srgbClr val="000000"/>
                 </a:solidFill>
+                <a:effectLst/>
+                <a:uLnTx/>
+                <a:uFillTx/>
                 <a:latin typeface="Arial"/>
+                <a:ea typeface="+mn-ea"/>
                 <a:cs typeface="Arial"/>
                 <a:sym typeface="Arial"/>
               </a:rPr>
@@ -13340,17 +14400,38 @@
             </a:r>
           </a:p>
           <a:p>
-            <a:pPr algn="ctr" defTabSz="1219170">
+            <a:pPr marL="0" marR="0" lvl="0" indent="0" algn="ctr" defTabSz="1219170" rtl="0" eaLnBrk="1" fontAlgn="auto" latinLnBrk="0" hangingPunct="1">
+              <a:lnSpc>
+                <a:spcPct val="100000"/>
+              </a:lnSpc>
+              <a:spcBef>
+                <a:spcPts val="0"/>
+              </a:spcBef>
+              <a:spcAft>
+                <a:spcPts val="0"/>
+              </a:spcAft>
               <a:buClr>
                 <a:srgbClr val="000000"/>
               </a:buClr>
+              <a:buSzTx/>
+              <a:buFontTx/>
+              <a:buNone/>
+              <a:tabLst/>
+              <a:defRPr/>
             </a:pPr>
             <a:r>
-              <a:rPr lang="en-US" sz="1867" kern="0" dirty="0">
+              <a:rPr kumimoji="0" lang="en-US" sz="1867" b="0" i="0" u="none" strike="noStrike" kern="0" cap="none" spc="0" normalizeH="0" baseline="0" noProof="0" dirty="0">
+                <a:ln>
+                  <a:noFill/>
+                </a:ln>
                 <a:solidFill>
                   <a:srgbClr val="000000"/>
                 </a:solidFill>
+                <a:effectLst/>
+                <a:uLnTx/>
+                <a:uFillTx/>
                 <a:latin typeface="Arial"/>
+                <a:ea typeface="+mn-ea"/>
                 <a:cs typeface="Arial"/>
                 <a:sym typeface="Arial"/>
               </a:rPr>
@@ -13373,7 +14454,7 @@
         </p:nvSpPr>
         <p:spPr>
           <a:xfrm>
-            <a:off x="11250195" y="1917886"/>
+            <a:off x="10841470" y="1917886"/>
             <a:ext cx="495328" cy="184666"/>
           </a:xfrm>
           <a:prstGeom prst="rect">
@@ -13387,17 +14468,38 @@
           </a:bodyPr>
           <a:lstStyle/>
           <a:p>
-            <a:pPr defTabSz="1219170">
+            <a:pPr marL="0" marR="0" lvl="0" indent="0" algn="l" defTabSz="1219170" rtl="0" eaLnBrk="1" fontAlgn="auto" latinLnBrk="0" hangingPunct="1">
+              <a:lnSpc>
+                <a:spcPct val="100000"/>
+              </a:lnSpc>
+              <a:spcBef>
+                <a:spcPts val="0"/>
+              </a:spcBef>
+              <a:spcAft>
+                <a:spcPts val="0"/>
+              </a:spcAft>
               <a:buClr>
                 <a:srgbClr val="000000"/>
               </a:buClr>
+              <a:buSzTx/>
+              <a:buFontTx/>
+              <a:buNone/>
+              <a:tabLst/>
+              <a:defRPr/>
             </a:pPr>
             <a:r>
-              <a:rPr lang="en-US" sz="1200" kern="0" dirty="0">
+              <a:rPr kumimoji="0" lang="en-US" sz="1200" b="0" i="0" u="none" strike="noStrike" kern="0" cap="none" spc="0" normalizeH="0" baseline="0" noProof="0" dirty="0">
+                <a:ln>
+                  <a:noFill/>
+                </a:ln>
                 <a:solidFill>
                   <a:srgbClr val="000000"/>
                 </a:solidFill>
+                <a:effectLst/>
+                <a:uLnTx/>
+                <a:uFillTx/>
                 <a:latin typeface="Century Gothic" panose="020B0502020202020204" pitchFamily="34" charset="0"/>
+                <a:ea typeface="+mn-ea"/>
                 <a:cs typeface="Arial"/>
                 <a:sym typeface="Arial"/>
               </a:rPr>
@@ -13409,7 +14511,147 @@
     </p:spTree>
     <p:extLst>
       <p:ext uri="{BB962C8B-B14F-4D97-AF65-F5344CB8AC3E}">
-        <p14:creationId xmlns:p14="http://schemas.microsoft.com/office/powerpoint/2010/main" val="1652665990"/>
+        <p14:creationId xmlns:p14="http://schemas.microsoft.com/office/powerpoint/2010/main" val="4021772739"/>
+      </p:ext>
+    </p:extLst>
+  </p:cSld>
+  <p:clrMapOvr>
+    <a:masterClrMapping/>
+  </p:clrMapOvr>
+</p:sld>
+</file>
+
+<file path=ppt/slides/slide2.xml><?xml version="1.0" encoding="utf-8"?>
+<p:sld xmlns:a="http://schemas.openxmlformats.org/drawingml/2006/main" xmlns:r="http://schemas.openxmlformats.org/officeDocument/2006/relationships" xmlns:p="http://schemas.openxmlformats.org/presentationml/2006/main">
+  <p:cSld>
+    <p:spTree>
+      <p:nvGrpSpPr>
+        <p:cNvPr id="1" name=""/>
+        <p:cNvGrpSpPr/>
+        <p:nvPr/>
+      </p:nvGrpSpPr>
+      <p:grpSpPr>
+        <a:xfrm>
+          <a:off x="0" y="0"/>
+          <a:ext cx="0" cy="0"/>
+          <a:chOff x="0" y="0"/>
+          <a:chExt cx="0" cy="0"/>
+        </a:xfrm>
+      </p:grpSpPr>
+      <p:sp>
+        <p:nvSpPr>
+          <p:cNvPr id="2" name="Title 1">
+            <a:extLst>
+              <a:ext uri="{FF2B5EF4-FFF2-40B4-BE49-F238E27FC236}">
+                <a16:creationId xmlns:a16="http://schemas.microsoft.com/office/drawing/2014/main" id="{458626B3-3A04-4832-B38C-70099F588CC2}"/>
+              </a:ext>
+            </a:extLst>
+          </p:cNvPr>
+          <p:cNvSpPr>
+            <a:spLocks noGrp="1"/>
+          </p:cNvSpPr>
+          <p:nvPr>
+            <p:ph type="title"/>
+          </p:nvPr>
+        </p:nvSpPr>
+        <p:spPr/>
+        <p:txBody>
+          <a:bodyPr>
+            <a:noAutofit/>
+          </a:bodyPr>
+          <a:lstStyle/>
+          <a:p>
+            <a:r>
+              <a:rPr lang="en-AU" sz="3600" dirty="0" err="1"/>
+              <a:t>Pragra</a:t>
+            </a:r>
+            <a:r>
+              <a:rPr lang="en-AU" sz="3600" dirty="0"/>
+              <a:t> – Technical documents engagement</a:t>
+            </a:r>
+          </a:p>
+        </p:txBody>
+      </p:sp>
+      <p:sp>
+        <p:nvSpPr>
+          <p:cNvPr id="4" name="TextBox 3">
+            <a:extLst>
+              <a:ext uri="{FF2B5EF4-FFF2-40B4-BE49-F238E27FC236}">
+                <a16:creationId xmlns:a16="http://schemas.microsoft.com/office/drawing/2014/main" id="{FF02DF2B-EAA7-45EE-BA8F-28CC1BDACAE3}"/>
+              </a:ext>
+            </a:extLst>
+          </p:cNvPr>
+          <p:cNvSpPr txBox="1"/>
+          <p:nvPr/>
+        </p:nvSpPr>
+        <p:spPr>
+          <a:xfrm>
+            <a:off x="1777428" y="2702103"/>
+            <a:ext cx="7993295" cy="523220"/>
+          </a:xfrm>
+          <a:prstGeom prst="rect">
+            <a:avLst/>
+          </a:prstGeom>
+          <a:noFill/>
+        </p:spPr>
+        <p:txBody>
+          <a:bodyPr wrap="square">
+            <a:spAutoFit/>
+          </a:bodyPr>
+          <a:lstStyle/>
+          <a:p>
+            <a:r>
+              <a:rPr lang="en-AU" sz="2800" dirty="0"/>
+              <a:t>https://github.com/ashwinbalajiks/pragra-docs.git</a:t>
+            </a:r>
+          </a:p>
+        </p:txBody>
+      </p:sp>
+      <p:sp>
+        <p:nvSpPr>
+          <p:cNvPr id="6" name="TextBox 5">
+            <a:extLst>
+              <a:ext uri="{FF2B5EF4-FFF2-40B4-BE49-F238E27FC236}">
+                <a16:creationId xmlns:a16="http://schemas.microsoft.com/office/drawing/2014/main" id="{160C44E3-1496-45E3-936C-495A85496F68}"/>
+              </a:ext>
+            </a:extLst>
+          </p:cNvPr>
+          <p:cNvSpPr txBox="1"/>
+          <p:nvPr/>
+        </p:nvSpPr>
+        <p:spPr>
+          <a:xfrm>
+            <a:off x="1777428" y="3902467"/>
+            <a:ext cx="7993295" cy="646331"/>
+          </a:xfrm>
+          <a:prstGeom prst="rect">
+            <a:avLst/>
+          </a:prstGeom>
+          <a:noFill/>
+        </p:spPr>
+        <p:txBody>
+          <a:bodyPr wrap="square">
+            <a:spAutoFit/>
+          </a:bodyPr>
+          <a:lstStyle/>
+          <a:p>
+            <a:r>
+              <a:rPr lang="en-AU" dirty="0"/>
+              <a:t>Will provide access to this repository.</a:t>
+            </a:r>
+          </a:p>
+          <a:p>
+            <a:r>
+              <a:rPr lang="en-AU" dirty="0"/>
+              <a:t>Please clone this repo to get the updated documents related to this engagement.</a:t>
+            </a:r>
+          </a:p>
+        </p:txBody>
+      </p:sp>
+    </p:spTree>
+    <p:extLst>
+      <p:ext uri="{BB962C8B-B14F-4D97-AF65-F5344CB8AC3E}">
+        <p14:creationId xmlns:p14="http://schemas.microsoft.com/office/powerpoint/2010/main" val="361035334"/>
       </p:ext>
     </p:extLst>
   </p:cSld>
@@ -13712,4 +14954,299 @@
     </a:ext>
   </a:extLst>
 </a:theme>
+</file>
+
+<file path=ppt/theme/theme2.xml><?xml version="1.0" encoding="utf-8"?>
+<a:theme xmlns:a="http://schemas.openxmlformats.org/drawingml/2006/main" name="Office Theme">
+  <a:themeElements>
+    <a:clrScheme name="Office">
+      <a:dk1>
+        <a:sysClr val="windowText" lastClr="000000"/>
+      </a:dk1>
+      <a:lt1>
+        <a:sysClr val="window" lastClr="FFFFFF"/>
+      </a:lt1>
+      <a:dk2>
+        <a:srgbClr val="44546A"/>
+      </a:dk2>
+      <a:lt2>
+        <a:srgbClr val="E7E6E6"/>
+      </a:lt2>
+      <a:accent1>
+        <a:srgbClr val="4472C4"/>
+      </a:accent1>
+      <a:accent2>
+        <a:srgbClr val="ED7D31"/>
+      </a:accent2>
+      <a:accent3>
+        <a:srgbClr val="A5A5A5"/>
+      </a:accent3>
+      <a:accent4>
+        <a:srgbClr val="FFC000"/>
+      </a:accent4>
+      <a:accent5>
+        <a:srgbClr val="5B9BD5"/>
+      </a:accent5>
+      <a:accent6>
+        <a:srgbClr val="70AD47"/>
+      </a:accent6>
+      <a:hlink>
+        <a:srgbClr val="0563C1"/>
+      </a:hlink>
+      <a:folHlink>
+        <a:srgbClr val="954F72"/>
+      </a:folHlink>
+    </a:clrScheme>
+    <a:fontScheme name="Office">
+      <a:majorFont>
+        <a:latin typeface="Calibri Light" panose="020F0302020204030204"/>
+        <a:ea typeface=""/>
+        <a:cs typeface=""/>
+        <a:font script="Jpan" typeface="游ゴシック Light"/>
+        <a:font script="Hang" typeface="맑은 고딕"/>
+        <a:font script="Hans" typeface="等线 Light"/>
+        <a:font script="Hant" typeface="新細明體"/>
+        <a:font script="Arab" typeface="Times New Roman"/>
+        <a:font script="Hebr" typeface="Times New Roman"/>
+        <a:font script="Thai" typeface="Angsana New"/>
+        <a:font script="Ethi" typeface="Nyala"/>
+        <a:font script="Beng" typeface="Vrinda"/>
+        <a:font script="Gujr" typeface="Shruti"/>
+        <a:font script="Khmr" typeface="MoolBoran"/>
+        <a:font script="Knda" typeface="Tunga"/>
+        <a:font script="Guru" typeface="Raavi"/>
+        <a:font script="Cans" typeface="Euphemia"/>
+        <a:font script="Cher" typeface="Plantagenet Cherokee"/>
+        <a:font script="Yiii" typeface="Microsoft Yi Baiti"/>
+        <a:font script="Tibt" typeface="Microsoft Himalaya"/>
+        <a:font script="Thaa" typeface="MV Boli"/>
+        <a:font script="Deva" typeface="Mangal"/>
+        <a:font script="Telu" typeface="Gautami"/>
+        <a:font script="Taml" typeface="Latha"/>
+        <a:font script="Syrc" typeface="Estrangelo Edessa"/>
+        <a:font script="Orya" typeface="Kalinga"/>
+        <a:font script="Mlym" typeface="Kartika"/>
+        <a:font script="Laoo" typeface="DokChampa"/>
+        <a:font script="Sinh" typeface="Iskoola Pota"/>
+        <a:font script="Mong" typeface="Mongolian Baiti"/>
+        <a:font script="Viet" typeface="Times New Roman"/>
+        <a:font script="Uigh" typeface="Microsoft Uighur"/>
+        <a:font script="Geor" typeface="Sylfaen"/>
+        <a:font script="Armn" typeface="Arial"/>
+        <a:font script="Bugi" typeface="Leelawadee UI"/>
+        <a:font script="Bopo" typeface="Microsoft JhengHei"/>
+        <a:font script="Java" typeface="Javanese Text"/>
+        <a:font script="Lisu" typeface="Segoe UI"/>
+        <a:font script="Mymr" typeface="Myanmar Text"/>
+        <a:font script="Nkoo" typeface="Ebrima"/>
+        <a:font script="Olck" typeface="Nirmala UI"/>
+        <a:font script="Osma" typeface="Ebrima"/>
+        <a:font script="Phag" typeface="Phagspa"/>
+        <a:font script="Syrn" typeface="Estrangelo Edessa"/>
+        <a:font script="Syrj" typeface="Estrangelo Edessa"/>
+        <a:font script="Syre" typeface="Estrangelo Edessa"/>
+        <a:font script="Sora" typeface="Nirmala UI"/>
+        <a:font script="Tale" typeface="Microsoft Tai Le"/>
+        <a:font script="Talu" typeface="Microsoft New Tai Lue"/>
+        <a:font script="Tfng" typeface="Ebrima"/>
+      </a:majorFont>
+      <a:minorFont>
+        <a:latin typeface="Calibri" panose="020F0502020204030204"/>
+        <a:ea typeface=""/>
+        <a:cs typeface=""/>
+        <a:font script="Jpan" typeface="游ゴシック"/>
+        <a:font script="Hang" typeface="맑은 고딕"/>
+        <a:font script="Hans" typeface="等线"/>
+        <a:font script="Hant" typeface="新細明體"/>
+        <a:font script="Arab" typeface="Arial"/>
+        <a:font script="Hebr" typeface="Arial"/>
+        <a:font script="Thai" typeface="Cordia New"/>
+        <a:font script="Ethi" typeface="Nyala"/>
+        <a:font script="Beng" typeface="Vrinda"/>
+        <a:font script="Gujr" typeface="Shruti"/>
+        <a:font script="Khmr" typeface="DaunPenh"/>
+        <a:font script="Knda" typeface="Tunga"/>
+        <a:font script="Guru" typeface="Raavi"/>
+        <a:font script="Cans" typeface="Euphemia"/>
+        <a:font script="Cher" typeface="Plantagenet Cherokee"/>
+        <a:font script="Yiii" typeface="Microsoft Yi Baiti"/>
+        <a:font script="Tibt" typeface="Microsoft Himalaya"/>
+        <a:font script="Thaa" typeface="MV Boli"/>
+        <a:font script="Deva" typeface="Mangal"/>
+        <a:font script="Telu" typeface="Gautami"/>
+        <a:font script="Taml" typeface="Latha"/>
+        <a:font script="Syrc" typeface="Estrangelo Edessa"/>
+        <a:font script="Orya" typeface="Kalinga"/>
+        <a:font script="Mlym" typeface="Kartika"/>
+        <a:font script="Laoo" typeface="DokChampa"/>
+        <a:font script="Sinh" typeface="Iskoola Pota"/>
+        <a:font script="Mong" typeface="Mongolian Baiti"/>
+        <a:font script="Viet" typeface="Arial"/>
+        <a:font script="Uigh" typeface="Microsoft Uighur"/>
+        <a:font script="Geor" typeface="Sylfaen"/>
+        <a:font script="Armn" typeface="Arial"/>
+        <a:font script="Bugi" typeface="Leelawadee UI"/>
+        <a:font script="Bopo" typeface="Microsoft JhengHei"/>
+        <a:font script="Java" typeface="Javanese Text"/>
+        <a:font script="Lisu" typeface="Segoe UI"/>
+        <a:font script="Mymr" typeface="Myanmar Text"/>
+        <a:font script="Nkoo" typeface="Ebrima"/>
+        <a:font script="Olck" typeface="Nirmala UI"/>
+        <a:font script="Osma" typeface="Ebrima"/>
+        <a:font script="Phag" typeface="Phagspa"/>
+        <a:font script="Syrn" typeface="Estrangelo Edessa"/>
+        <a:font script="Syrj" typeface="Estrangelo Edessa"/>
+        <a:font script="Syre" typeface="Estrangelo Edessa"/>
+        <a:font script="Sora" typeface="Nirmala UI"/>
+        <a:font script="Tale" typeface="Microsoft Tai Le"/>
+        <a:font script="Talu" typeface="Microsoft New Tai Lue"/>
+        <a:font script="Tfng" typeface="Ebrima"/>
+      </a:minorFont>
+    </a:fontScheme>
+    <a:fmtScheme name="Office">
+      <a:fillStyleLst>
+        <a:solidFill>
+          <a:schemeClr val="phClr"/>
+        </a:solidFill>
+        <a:gradFill rotWithShape="1">
+          <a:gsLst>
+            <a:gs pos="0">
+              <a:schemeClr val="phClr">
+                <a:lumMod val="110000"/>
+                <a:satMod val="105000"/>
+                <a:tint val="67000"/>
+              </a:schemeClr>
+            </a:gs>
+            <a:gs pos="50000">
+              <a:schemeClr val="phClr">
+                <a:lumMod val="105000"/>
+                <a:satMod val="103000"/>
+                <a:tint val="73000"/>
+              </a:schemeClr>
+            </a:gs>
+            <a:gs pos="100000">
+              <a:schemeClr val="phClr">
+                <a:lumMod val="105000"/>
+                <a:satMod val="109000"/>
+                <a:tint val="81000"/>
+              </a:schemeClr>
+            </a:gs>
+          </a:gsLst>
+          <a:lin ang="5400000" scaled="0"/>
+        </a:gradFill>
+        <a:gradFill rotWithShape="1">
+          <a:gsLst>
+            <a:gs pos="0">
+              <a:schemeClr val="phClr">
+                <a:satMod val="103000"/>
+                <a:lumMod val="102000"/>
+                <a:tint val="94000"/>
+              </a:schemeClr>
+            </a:gs>
+            <a:gs pos="50000">
+              <a:schemeClr val="phClr">
+                <a:satMod val="110000"/>
+                <a:lumMod val="100000"/>
+                <a:shade val="100000"/>
+              </a:schemeClr>
+            </a:gs>
+            <a:gs pos="100000">
+              <a:schemeClr val="phClr">
+                <a:lumMod val="99000"/>
+                <a:satMod val="120000"/>
+                <a:shade val="78000"/>
+              </a:schemeClr>
+            </a:gs>
+          </a:gsLst>
+          <a:lin ang="5400000" scaled="0"/>
+        </a:gradFill>
+      </a:fillStyleLst>
+      <a:lnStyleLst>
+        <a:ln w="6350" cap="flat" cmpd="sng" algn="ctr">
+          <a:solidFill>
+            <a:schemeClr val="phClr"/>
+          </a:solidFill>
+          <a:prstDash val="solid"/>
+          <a:miter lim="800000"/>
+        </a:ln>
+        <a:ln w="12700" cap="flat" cmpd="sng" algn="ctr">
+          <a:solidFill>
+            <a:schemeClr val="phClr"/>
+          </a:solidFill>
+          <a:prstDash val="solid"/>
+          <a:miter lim="800000"/>
+        </a:ln>
+        <a:ln w="19050" cap="flat" cmpd="sng" algn="ctr">
+          <a:solidFill>
+            <a:schemeClr val="phClr"/>
+          </a:solidFill>
+          <a:prstDash val="solid"/>
+          <a:miter lim="800000"/>
+        </a:ln>
+      </a:lnStyleLst>
+      <a:effectStyleLst>
+        <a:effectStyle>
+          <a:effectLst/>
+        </a:effectStyle>
+        <a:effectStyle>
+          <a:effectLst/>
+        </a:effectStyle>
+        <a:effectStyle>
+          <a:effectLst>
+            <a:outerShdw blurRad="57150" dist="19050" dir="5400000" algn="ctr" rotWithShape="0">
+              <a:srgbClr val="000000">
+                <a:alpha val="63000"/>
+              </a:srgbClr>
+            </a:outerShdw>
+          </a:effectLst>
+        </a:effectStyle>
+      </a:effectStyleLst>
+      <a:bgFillStyleLst>
+        <a:solidFill>
+          <a:schemeClr val="phClr"/>
+        </a:solidFill>
+        <a:solidFill>
+          <a:schemeClr val="phClr">
+            <a:tint val="95000"/>
+            <a:satMod val="170000"/>
+          </a:schemeClr>
+        </a:solidFill>
+        <a:gradFill rotWithShape="1">
+          <a:gsLst>
+            <a:gs pos="0">
+              <a:schemeClr val="phClr">
+                <a:tint val="93000"/>
+                <a:satMod val="150000"/>
+                <a:shade val="98000"/>
+                <a:lumMod val="102000"/>
+              </a:schemeClr>
+            </a:gs>
+            <a:gs pos="50000">
+              <a:schemeClr val="phClr">
+                <a:tint val="98000"/>
+                <a:satMod val="130000"/>
+                <a:shade val="90000"/>
+                <a:lumMod val="103000"/>
+              </a:schemeClr>
+            </a:gs>
+            <a:gs pos="100000">
+              <a:schemeClr val="phClr">
+                <a:shade val="63000"/>
+                <a:satMod val="120000"/>
+              </a:schemeClr>
+            </a:gs>
+          </a:gsLst>
+          <a:lin ang="5400000" scaled="0"/>
+        </a:gradFill>
+      </a:bgFillStyleLst>
+    </a:fmtScheme>
+  </a:themeElements>
+  <a:objectDefaults/>
+  <a:extraClrSchemeLst/>
+  <a:extLst>
+    <a:ext uri="{05A4C25C-085E-4340-85A3-A5531E510DB2}">
+      <thm15:themeFamily xmlns:thm15="http://schemas.microsoft.com/office/thememl/2012/main" name="Office Theme" id="{62F939B6-93AF-4DB8-9C6B-D6C7DFDC589F}" vid="{4A3C46E8-61CC-4603-A589-7422A47A8E4A}"/>
+    </a:ext>
+  </a:extLst>
+</a:theme>
 </file>
--- a/Pragra_delivery.pptx
+++ b/Pragra_delivery.pptx
@@ -224,7 +224,7 @@
           <a:p>
             <a:fld id="{40E3F40A-43DE-4ECC-BA4B-FC08DD718DFB}" type="datetimeFigureOut">
               <a:rPr lang="en-US" smtClean="0"/>
-              <a:t>11-Nov-20</a:t>
+              <a:t>11/25/2020</a:t>
             </a:fld>
             <a:endParaRPr lang="en-US"/>
           </a:p>
@@ -14455,7 +14455,7 @@
         <p:spPr>
           <a:xfrm>
             <a:off x="10841470" y="1917886"/>
-            <a:ext cx="495328" cy="184666"/>
+            <a:ext cx="500137" cy="184666"/>
           </a:xfrm>
           <a:prstGeom prst="rect">
             <a:avLst/>
@@ -14503,7 +14503,7 @@
                 <a:cs typeface="Arial"/>
                 <a:sym typeface="Arial"/>
               </a:rPr>
-              <a:t>22-Jan</a:t>
+              <a:t>22-Feb</a:t>
             </a:r>
           </a:p>
         </p:txBody>
